--- a/presentations/04_Çoklu_Regresyon++.pptx
+++ b/presentations/04_Çoklu_Regresyon++.pptx
@@ -453,7 +453,7 @@
           <a:p>
             <a:fld id="{6F77F576-AE14-466D-AA6B-335273622B21}" type="datetimeFigureOut">
               <a:rPr lang="en-US" smtClean="0"/>
-              <a:t>3/30/2019</a:t>
+              <a:t>5/30/2019</a:t>
             </a:fld>
             <a:endParaRPr lang="en-US"/>
           </a:p>
@@ -852,7 +852,7 @@
           <a:p>
             <a:fld id="{54AA066D-271F-4C1A-B89A-0705A7689EE9}" type="datetimeFigureOut">
               <a:rPr lang="en-US" smtClean="0"/>
-              <a:t>3/30/2019</a:t>
+              <a:t>5/30/2019</a:t>
             </a:fld>
             <a:endParaRPr lang="en-US"/>
           </a:p>
@@ -1022,7 +1022,7 @@
           <a:p>
             <a:fld id="{54AA066D-271F-4C1A-B89A-0705A7689EE9}" type="datetimeFigureOut">
               <a:rPr lang="en-US" smtClean="0"/>
-              <a:t>3/30/2019</a:t>
+              <a:t>5/30/2019</a:t>
             </a:fld>
             <a:endParaRPr lang="en-US"/>
           </a:p>
@@ -1202,7 +1202,7 @@
           <a:p>
             <a:fld id="{54AA066D-271F-4C1A-B89A-0705A7689EE9}" type="datetimeFigureOut">
               <a:rPr lang="en-US" smtClean="0"/>
-              <a:t>3/30/2019</a:t>
+              <a:t>5/30/2019</a:t>
             </a:fld>
             <a:endParaRPr lang="en-US"/>
           </a:p>
@@ -1372,7 +1372,7 @@
           <a:p>
             <a:fld id="{54AA066D-271F-4C1A-B89A-0705A7689EE9}" type="datetimeFigureOut">
               <a:rPr lang="en-US" smtClean="0"/>
-              <a:t>3/30/2019</a:t>
+              <a:t>5/30/2019</a:t>
             </a:fld>
             <a:endParaRPr lang="en-US"/>
           </a:p>
@@ -1618,7 +1618,7 @@
           <a:p>
             <a:fld id="{54AA066D-271F-4C1A-B89A-0705A7689EE9}" type="datetimeFigureOut">
               <a:rPr lang="en-US" smtClean="0"/>
-              <a:t>3/30/2019</a:t>
+              <a:t>5/30/2019</a:t>
             </a:fld>
             <a:endParaRPr lang="en-US"/>
           </a:p>
@@ -1850,7 +1850,7 @@
           <a:p>
             <a:fld id="{54AA066D-271F-4C1A-B89A-0705A7689EE9}" type="datetimeFigureOut">
               <a:rPr lang="en-US" smtClean="0"/>
-              <a:t>3/30/2019</a:t>
+              <a:t>5/30/2019</a:t>
             </a:fld>
             <a:endParaRPr lang="en-US"/>
           </a:p>
@@ -2217,7 +2217,7 @@
           <a:p>
             <a:fld id="{54AA066D-271F-4C1A-B89A-0705A7689EE9}" type="datetimeFigureOut">
               <a:rPr lang="en-US" smtClean="0"/>
-              <a:t>3/30/2019</a:t>
+              <a:t>5/30/2019</a:t>
             </a:fld>
             <a:endParaRPr lang="en-US"/>
           </a:p>
@@ -2335,7 +2335,7 @@
           <a:p>
             <a:fld id="{54AA066D-271F-4C1A-B89A-0705A7689EE9}" type="datetimeFigureOut">
               <a:rPr lang="en-US" smtClean="0"/>
-              <a:t>3/30/2019</a:t>
+              <a:t>5/30/2019</a:t>
             </a:fld>
             <a:endParaRPr lang="en-US"/>
           </a:p>
@@ -2430,7 +2430,7 @@
           <a:p>
             <a:fld id="{54AA066D-271F-4C1A-B89A-0705A7689EE9}" type="datetimeFigureOut">
               <a:rPr lang="en-US" smtClean="0"/>
-              <a:t>3/30/2019</a:t>
+              <a:t>5/30/2019</a:t>
             </a:fld>
             <a:endParaRPr lang="en-US"/>
           </a:p>
@@ -2707,7 +2707,7 @@
           <a:p>
             <a:fld id="{54AA066D-271F-4C1A-B89A-0705A7689EE9}" type="datetimeFigureOut">
               <a:rPr lang="en-US" smtClean="0"/>
-              <a:t>3/30/2019</a:t>
+              <a:t>5/30/2019</a:t>
             </a:fld>
             <a:endParaRPr lang="en-US"/>
           </a:p>
@@ -2960,7 +2960,7 @@
           <a:p>
             <a:fld id="{54AA066D-271F-4C1A-B89A-0705A7689EE9}" type="datetimeFigureOut">
               <a:rPr lang="en-US" smtClean="0"/>
-              <a:t>3/30/2019</a:t>
+              <a:t>5/30/2019</a:t>
             </a:fld>
             <a:endParaRPr lang="en-US"/>
           </a:p>
@@ -3173,7 +3173,7 @@
           <a:p>
             <a:fld id="{54AA066D-271F-4C1A-B89A-0705A7689EE9}" type="datetimeFigureOut">
               <a:rPr lang="en-US" smtClean="0"/>
-              <a:t>3/30/2019</a:t>
+              <a:t>5/30/2019</a:t>
             </a:fld>
             <a:endParaRPr lang="en-US"/>
           </a:p>
@@ -4886,8 +4886,8 @@
           </a:prstGeom>
         </p:spPr>
       </p:pic>
-      <mc:AlternateContent xmlns:mc="http://schemas.openxmlformats.org/markup-compatibility/2006">
-        <mc:Choice xmlns:a14="http://schemas.microsoft.com/office/drawing/2010/main" Requires="a14">
+      <mc:AlternateContent xmlns:mc="http://schemas.openxmlformats.org/markup-compatibility/2006" xmlns:a14="http://schemas.microsoft.com/office/drawing/2010/main">
+        <mc:Choice Requires="a14">
           <p:sp>
             <p:nvSpPr>
               <p:cNvPr id="14" name="Metin kutusu 13">
@@ -5101,7 +5101,7 @@
             </p:txBody>
           </p:sp>
         </mc:Choice>
-        <mc:Fallback>
+        <mc:Fallback xmlns="">
           <p:sp>
             <p:nvSpPr>
               <p:cNvPr id="14" name="Metin kutusu 13">

--- a/presentations/04_Çoklu_Regresyon++.pptx
+++ b/presentations/04_Çoklu_Regresyon++.pptx
@@ -363,6 +363,30 @@
             <pc:docMk/>
             <pc:sldMk cId="3243666513" sldId="283"/>
             <ac:spMk id="4" creationId="{99634361-EE2F-4C4E-A633-0E2B199DA278}"/>
+          </ac:spMkLst>
+        </pc:spChg>
+      </pc:sldChg>
+    </pc:docChg>
+  </pc:docChgLst>
+  <pc:docChgLst>
+    <pc:chgData name="Erkan ŞİRİN" userId="7f10ce1d6aaf8c5d" providerId="LiveId" clId="{46D8FF4D-47BA-4BDC-9D0E-89980620B548}"/>
+    <pc:docChg chg="modSld">
+      <pc:chgData name="Erkan ŞİRİN" userId="7f10ce1d6aaf8c5d" providerId="LiveId" clId="{46D8FF4D-47BA-4BDC-9D0E-89980620B548}" dt="2019-05-30T19:08:46.677" v="40" actId="20577"/>
+      <pc:docMkLst>
+        <pc:docMk/>
+      </pc:docMkLst>
+      <pc:sldChg chg="modSp">
+        <pc:chgData name="Erkan ŞİRİN" userId="7f10ce1d6aaf8c5d" providerId="LiveId" clId="{46D8FF4D-47BA-4BDC-9D0E-89980620B548}" dt="2019-05-30T19:08:46.677" v="40" actId="20577"/>
+        <pc:sldMkLst>
+          <pc:docMk/>
+          <pc:sldMk cId="3773428193" sldId="271"/>
+        </pc:sldMkLst>
+        <pc:spChg chg="mod">
+          <ac:chgData name="Erkan ŞİRİN" userId="7f10ce1d6aaf8c5d" providerId="LiveId" clId="{46D8FF4D-47BA-4BDC-9D0E-89980620B548}" dt="2019-05-30T19:08:46.677" v="40" actId="20577"/>
+          <ac:spMkLst>
+            <pc:docMk/>
+            <pc:sldMk cId="3773428193" sldId="271"/>
+            <ac:spMk id="18" creationId="{7663CACF-D02B-44E7-81EC-6A34B6B33A71}"/>
           </ac:spMkLst>
         </pc:spChg>
       </pc:sldChg>
@@ -15964,7 +15988,7 @@
         <p:spPr>
           <a:xfrm>
             <a:off x="3325002" y="4492526"/>
-            <a:ext cx="4561698" cy="492443"/>
+            <a:ext cx="6580648" cy="892552"/>
           </a:xfrm>
           <a:prstGeom prst="rect">
             <a:avLst/>
@@ -15975,6 +15999,17 @@
             <a:spAutoFit/>
           </a:bodyPr>
           <a:lstStyle/>
+          <a:p>
+            <a:r>
+              <a:rPr lang="tr-TR" sz="2600" b="1" dirty="0">
+                <a:solidFill>
+                  <a:srgbClr val="0070C0"/>
+                </a:solidFill>
+                <a:latin typeface="Roboto"/>
+              </a:rPr>
+              <a:t>Bazı kütüphanelerde (örneğin Spark ML)</a:t>
+            </a:r>
+          </a:p>
           <a:p>
             <a:r>
               <a:rPr lang="tr-TR" sz="2600" b="1" dirty="0" err="1">

--- a/presentations/04_Çoklu_Regresyon++.pptx
+++ b/presentations/04_Çoklu_Regresyon++.pptx
@@ -370,25 +370,41 @@
   </pc:docChgLst>
   <pc:docChgLst>
     <pc:chgData name="Erkan ŞİRİN" userId="7f10ce1d6aaf8c5d" providerId="LiveId" clId="{46D8FF4D-47BA-4BDC-9D0E-89980620B548}"/>
-    <pc:docChg chg="modSld">
-      <pc:chgData name="Erkan ŞİRİN" userId="7f10ce1d6aaf8c5d" providerId="LiveId" clId="{46D8FF4D-47BA-4BDC-9D0E-89980620B548}" dt="2019-05-30T19:08:46.677" v="40" actId="20577"/>
+    <pc:docChg chg="custSel modSld">
+      <pc:chgData name="Erkan ŞİRİN" userId="7f10ce1d6aaf8c5d" providerId="LiveId" clId="{46D8FF4D-47BA-4BDC-9D0E-89980620B548}" dt="2019-06-15T16:33:09.510" v="84" actId="478"/>
       <pc:docMkLst>
         <pc:docMk/>
       </pc:docMkLst>
-      <pc:sldChg chg="modSp">
-        <pc:chgData name="Erkan ŞİRİN" userId="7f10ce1d6aaf8c5d" providerId="LiveId" clId="{46D8FF4D-47BA-4BDC-9D0E-89980620B548}" dt="2019-05-30T19:08:46.677" v="40" actId="20577"/>
+      <pc:sldChg chg="delSp modSp delAnim">
+        <pc:chgData name="Erkan ŞİRİN" userId="7f10ce1d6aaf8c5d" providerId="LiveId" clId="{46D8FF4D-47BA-4BDC-9D0E-89980620B548}" dt="2019-06-15T16:33:09.510" v="84" actId="478"/>
         <pc:sldMkLst>
           <pc:docMk/>
           <pc:sldMk cId="3773428193" sldId="271"/>
         </pc:sldMkLst>
-        <pc:spChg chg="mod">
-          <ac:chgData name="Erkan ŞİRİN" userId="7f10ce1d6aaf8c5d" providerId="LiveId" clId="{46D8FF4D-47BA-4BDC-9D0E-89980620B548}" dt="2019-05-30T19:08:46.677" v="40" actId="20577"/>
+        <pc:spChg chg="del mod">
+          <ac:chgData name="Erkan ŞİRİN" userId="7f10ce1d6aaf8c5d" providerId="LiveId" clId="{46D8FF4D-47BA-4BDC-9D0E-89980620B548}" dt="2019-06-15T16:33:09.510" v="84" actId="478"/>
           <ac:spMkLst>
             <pc:docMk/>
             <pc:sldMk cId="3773428193" sldId="271"/>
             <ac:spMk id="18" creationId="{7663CACF-D02B-44E7-81EC-6A34B6B33A71}"/>
           </ac:spMkLst>
         </pc:spChg>
+        <pc:graphicFrameChg chg="modGraphic">
+          <ac:chgData name="Erkan ŞİRİN" userId="7f10ce1d6aaf8c5d" providerId="LiveId" clId="{46D8FF4D-47BA-4BDC-9D0E-89980620B548}" dt="2019-06-15T16:32:47.660" v="83" actId="20577"/>
+          <ac:graphicFrameMkLst>
+            <pc:docMk/>
+            <pc:sldMk cId="3773428193" sldId="271"/>
+            <ac:graphicFrameMk id="13" creationId="{97F9E665-2084-4C91-A881-7960F43329FF}"/>
+          </ac:graphicFrameMkLst>
+        </pc:graphicFrameChg>
+        <pc:graphicFrameChg chg="modGraphic">
+          <ac:chgData name="Erkan ŞİRİN" userId="7f10ce1d6aaf8c5d" providerId="LiveId" clId="{46D8FF4D-47BA-4BDC-9D0E-89980620B548}" dt="2019-06-15T16:32:31.494" v="71" actId="20577"/>
+          <ac:graphicFrameMkLst>
+            <pc:docMk/>
+            <pc:sldMk cId="3773428193" sldId="271"/>
+            <ac:graphicFrameMk id="14" creationId="{EB240757-8687-41B7-8A0E-DAADD4AA11BA}"/>
+          </ac:graphicFrameMkLst>
+        </pc:graphicFrameChg>
       </pc:sldChg>
     </pc:docChg>
   </pc:docChgLst>
@@ -477,7 +493,7 @@
           <a:p>
             <a:fld id="{6F77F576-AE14-466D-AA6B-335273622B21}" type="datetimeFigureOut">
               <a:rPr lang="en-US" smtClean="0"/>
-              <a:t>5/30/2019</a:t>
+              <a:t>6/15/2019</a:t>
             </a:fld>
             <a:endParaRPr lang="en-US"/>
           </a:p>
@@ -876,7 +892,7 @@
           <a:p>
             <a:fld id="{54AA066D-271F-4C1A-B89A-0705A7689EE9}" type="datetimeFigureOut">
               <a:rPr lang="en-US" smtClean="0"/>
-              <a:t>5/30/2019</a:t>
+              <a:t>6/15/2019</a:t>
             </a:fld>
             <a:endParaRPr lang="en-US"/>
           </a:p>
@@ -1046,7 +1062,7 @@
           <a:p>
             <a:fld id="{54AA066D-271F-4C1A-B89A-0705A7689EE9}" type="datetimeFigureOut">
               <a:rPr lang="en-US" smtClean="0"/>
-              <a:t>5/30/2019</a:t>
+              <a:t>6/15/2019</a:t>
             </a:fld>
             <a:endParaRPr lang="en-US"/>
           </a:p>
@@ -1226,7 +1242,7 @@
           <a:p>
             <a:fld id="{54AA066D-271F-4C1A-B89A-0705A7689EE9}" type="datetimeFigureOut">
               <a:rPr lang="en-US" smtClean="0"/>
-              <a:t>5/30/2019</a:t>
+              <a:t>6/15/2019</a:t>
             </a:fld>
             <a:endParaRPr lang="en-US"/>
           </a:p>
@@ -1396,7 +1412,7 @@
           <a:p>
             <a:fld id="{54AA066D-271F-4C1A-B89A-0705A7689EE9}" type="datetimeFigureOut">
               <a:rPr lang="en-US" smtClean="0"/>
-              <a:t>5/30/2019</a:t>
+              <a:t>6/15/2019</a:t>
             </a:fld>
             <a:endParaRPr lang="en-US"/>
           </a:p>
@@ -1642,7 +1658,7 @@
           <a:p>
             <a:fld id="{54AA066D-271F-4C1A-B89A-0705A7689EE9}" type="datetimeFigureOut">
               <a:rPr lang="en-US" smtClean="0"/>
-              <a:t>5/30/2019</a:t>
+              <a:t>6/15/2019</a:t>
             </a:fld>
             <a:endParaRPr lang="en-US"/>
           </a:p>
@@ -1874,7 +1890,7 @@
           <a:p>
             <a:fld id="{54AA066D-271F-4C1A-B89A-0705A7689EE9}" type="datetimeFigureOut">
               <a:rPr lang="en-US" smtClean="0"/>
-              <a:t>5/30/2019</a:t>
+              <a:t>6/15/2019</a:t>
             </a:fld>
             <a:endParaRPr lang="en-US"/>
           </a:p>
@@ -2241,7 +2257,7 @@
           <a:p>
             <a:fld id="{54AA066D-271F-4C1A-B89A-0705A7689EE9}" type="datetimeFigureOut">
               <a:rPr lang="en-US" smtClean="0"/>
-              <a:t>5/30/2019</a:t>
+              <a:t>6/15/2019</a:t>
             </a:fld>
             <a:endParaRPr lang="en-US"/>
           </a:p>
@@ -2359,7 +2375,7 @@
           <a:p>
             <a:fld id="{54AA066D-271F-4C1A-B89A-0705A7689EE9}" type="datetimeFigureOut">
               <a:rPr lang="en-US" smtClean="0"/>
-              <a:t>5/30/2019</a:t>
+              <a:t>6/15/2019</a:t>
             </a:fld>
             <a:endParaRPr lang="en-US"/>
           </a:p>
@@ -2454,7 +2470,7 @@
           <a:p>
             <a:fld id="{54AA066D-271F-4C1A-B89A-0705A7689EE9}" type="datetimeFigureOut">
               <a:rPr lang="en-US" smtClean="0"/>
-              <a:t>5/30/2019</a:t>
+              <a:t>6/15/2019</a:t>
             </a:fld>
             <a:endParaRPr lang="en-US"/>
           </a:p>
@@ -2731,7 +2747,7 @@
           <a:p>
             <a:fld id="{54AA066D-271F-4C1A-B89A-0705A7689EE9}" type="datetimeFigureOut">
               <a:rPr lang="en-US" smtClean="0"/>
-              <a:t>5/30/2019</a:t>
+              <a:t>6/15/2019</a:t>
             </a:fld>
             <a:endParaRPr lang="en-US"/>
           </a:p>
@@ -2984,7 +3000,7 @@
           <a:p>
             <a:fld id="{54AA066D-271F-4C1A-B89A-0705A7689EE9}" type="datetimeFigureOut">
               <a:rPr lang="en-US" smtClean="0"/>
-              <a:t>5/30/2019</a:t>
+              <a:t>6/15/2019</a:t>
             </a:fld>
             <a:endParaRPr lang="en-US"/>
           </a:p>
@@ -3197,7 +3213,7 @@
           <a:p>
             <a:fld id="{54AA066D-271F-4C1A-B89A-0705A7689EE9}" type="datetimeFigureOut">
               <a:rPr lang="en-US" smtClean="0"/>
-              <a:t>5/30/2019</a:t>
+              <a:t>6/15/2019</a:t>
             </a:fld>
             <a:endParaRPr lang="en-US"/>
           </a:p>
@@ -8363,7 +8379,7 @@
           <p:nvPr>
             <p:extLst>
               <p:ext uri="{D42A27DB-BD31-4B8C-83A1-F6EECF244321}">
-                <p14:modId xmlns:p14="http://schemas.microsoft.com/office/powerpoint/2010/main" val="1872036249"/>
+                <p14:modId xmlns:p14="http://schemas.microsoft.com/office/powerpoint/2010/main" val="4217110487"/>
               </p:ext>
             </p:extLst>
           </p:nvPr>
@@ -8435,15 +8451,22 @@
                     <a:p>
                       <a:pPr algn="l" fontAlgn="b"/>
                       <a:r>
-                        <a:rPr lang="tr-TR" sz="1100" b="0" i="0" u="none" strike="noStrike">
+                        <a:rPr lang="tr-TR" sz="1100" b="0" i="0" u="none" strike="noStrike" dirty="0" err="1">
                           <a:solidFill>
                             <a:srgbClr val="000000"/>
                           </a:solidFill>
                           <a:effectLst/>
                           <a:latin typeface="Calibri" panose="020F0502020204030204" pitchFamily="34" charset="0"/>
                         </a:rPr>
-                        <a:t>Age</a:t>
+                        <a:t>Ulke</a:t>
                       </a:r>
+                      <a:endParaRPr lang="tr-TR" sz="1100" b="0" i="0" u="none" strike="noStrike" dirty="0">
+                        <a:solidFill>
+                          <a:srgbClr val="000000"/>
+                        </a:solidFill>
+                        <a:effectLst/>
+                        <a:latin typeface="Calibri" panose="020F0502020204030204" pitchFamily="34" charset="0"/>
+                      </a:endParaRPr>
                     </a:p>
                   </a:txBody>
                   <a:tcPr marL="9525" marR="9525" marT="9525" marB="0" anchor="b">
@@ -8495,14 +8518,14 @@
                     <a:p>
                       <a:pPr algn="l" fontAlgn="b"/>
                       <a:r>
-                        <a:rPr lang="tr-TR" sz="1100" b="0" i="0" u="none" strike="noStrike">
+                        <a:rPr lang="tr-TR" sz="1100" b="0" i="0" u="none" strike="noStrike" dirty="0">
                           <a:solidFill>
                             <a:srgbClr val="000000"/>
                           </a:solidFill>
                           <a:effectLst/>
                           <a:latin typeface="Calibri" panose="020F0502020204030204" pitchFamily="34" charset="0"/>
                         </a:rPr>
-                        <a:t>Salary</a:t>
+                        <a:t>Yas</a:t>
                       </a:r>
                     </a:p>
                   </a:txBody>
@@ -8555,14 +8578,14 @@
                     <a:p>
                       <a:pPr algn="l" fontAlgn="b"/>
                       <a:r>
-                        <a:rPr lang="tr-TR" sz="1100" b="0" i="0" u="none" strike="noStrike">
+                        <a:rPr lang="tr-TR" sz="1100" b="0" i="0" u="none" strike="noStrike" dirty="0">
                           <a:solidFill>
                             <a:srgbClr val="000000"/>
                           </a:solidFill>
                           <a:effectLst/>
                           <a:latin typeface="Calibri" panose="020F0502020204030204" pitchFamily="34" charset="0"/>
                         </a:rPr>
-                        <a:t>Purchased</a:t>
+                        <a:t>Gelir</a:t>
                       </a:r>
                     </a:p>
                   </a:txBody>
@@ -13150,7 +13173,7 @@
           <p:nvPr>
             <p:extLst>
               <p:ext uri="{D42A27DB-BD31-4B8C-83A1-F6EECF244321}">
-                <p14:modId xmlns:p14="http://schemas.microsoft.com/office/powerpoint/2010/main" val="2507828094"/>
+                <p14:modId xmlns:p14="http://schemas.microsoft.com/office/powerpoint/2010/main" val="2652026126"/>
               </p:ext>
             </p:extLst>
           </p:nvPr>
@@ -13201,15 +13224,22 @@
                     <a:p>
                       <a:pPr algn="l" fontAlgn="b"/>
                       <a:r>
-                        <a:rPr lang="tr-TR" sz="1100" b="0" i="0" u="none" strike="noStrike">
+                        <a:rPr lang="tr-TR" sz="1100" b="0" i="0" u="none" strike="noStrike" dirty="0" err="1">
                           <a:solidFill>
                             <a:srgbClr val="000000"/>
                           </a:solidFill>
                           <a:effectLst/>
                           <a:latin typeface="Calibri" panose="020F0502020204030204" pitchFamily="34" charset="0"/>
                         </a:rPr>
-                        <a:t>Age</a:t>
+                        <a:t>Ulke</a:t>
                       </a:r>
+                      <a:endParaRPr lang="tr-TR" sz="1100" b="0" i="0" u="none" strike="noStrike" dirty="0">
+                        <a:solidFill>
+                          <a:srgbClr val="000000"/>
+                        </a:solidFill>
+                        <a:effectLst/>
+                        <a:latin typeface="Calibri" panose="020F0502020204030204" pitchFamily="34" charset="0"/>
+                      </a:endParaRPr>
                     </a:p>
                   </a:txBody>
                   <a:tcPr marL="9525" marR="9525" marT="9525" marB="0" anchor="b">
@@ -13261,14 +13291,14 @@
                     <a:p>
                       <a:pPr algn="l" fontAlgn="b"/>
                       <a:r>
-                        <a:rPr lang="tr-TR" sz="1100" b="0" i="0" u="none" strike="noStrike">
+                        <a:rPr lang="tr-TR" sz="1100" b="0" i="0" u="none" strike="noStrike" dirty="0">
                           <a:solidFill>
                             <a:srgbClr val="000000"/>
                           </a:solidFill>
                           <a:effectLst/>
                           <a:latin typeface="Calibri" panose="020F0502020204030204" pitchFamily="34" charset="0"/>
                         </a:rPr>
-                        <a:t>Salary</a:t>
+                        <a:t>Yas</a:t>
                       </a:r>
                     </a:p>
                   </a:txBody>
@@ -13321,14 +13351,14 @@
                     <a:p>
                       <a:pPr algn="l" fontAlgn="b"/>
                       <a:r>
-                        <a:rPr lang="tr-TR" sz="1100" b="0" i="0" u="none" strike="noStrike">
+                        <a:rPr lang="tr-TR" sz="1100" b="0" i="0" u="none" strike="noStrike" dirty="0">
                           <a:solidFill>
                             <a:srgbClr val="000000"/>
                           </a:solidFill>
                           <a:effectLst/>
                           <a:latin typeface="Calibri" panose="020F0502020204030204" pitchFamily="34" charset="0"/>
                         </a:rPr>
-                        <a:t>Purchased</a:t>
+                        <a:t>Gelir</a:t>
                       </a:r>
                     </a:p>
                   </a:txBody>
@@ -15970,70 +16000,6 @@
           <a:p>
             <a:pPr algn="ctr"/>
             <a:endParaRPr lang="tr-TR"/>
-          </a:p>
-        </p:txBody>
-      </p:sp>
-      <p:sp>
-        <p:nvSpPr>
-          <p:cNvPr id="18" name="Dikdörtgen 17">
-            <a:extLst>
-              <a:ext uri="{FF2B5EF4-FFF2-40B4-BE49-F238E27FC236}">
-                <a16:creationId xmlns:a16="http://schemas.microsoft.com/office/drawing/2014/main" id="{7663CACF-D02B-44E7-81EC-6A34B6B33A71}"/>
-              </a:ext>
-            </a:extLst>
-          </p:cNvPr>
-          <p:cNvSpPr/>
-          <p:nvPr/>
-        </p:nvSpPr>
-        <p:spPr>
-          <a:xfrm>
-            <a:off x="3325002" y="4492526"/>
-            <a:ext cx="6580648" cy="892552"/>
-          </a:xfrm>
-          <a:prstGeom prst="rect">
-            <a:avLst/>
-          </a:prstGeom>
-        </p:spPr>
-        <p:txBody>
-          <a:bodyPr wrap="none">
-            <a:spAutoFit/>
-          </a:bodyPr>
-          <a:lstStyle/>
-          <a:p>
-            <a:r>
-              <a:rPr lang="tr-TR" sz="2600" b="1" dirty="0">
-                <a:solidFill>
-                  <a:srgbClr val="0070C0"/>
-                </a:solidFill>
-                <a:latin typeface="Roboto"/>
-              </a:rPr>
-              <a:t>Bazı kütüphanelerde (örneğin Spark ML)</a:t>
-            </a:r>
-          </a:p>
-          <a:p>
-            <a:r>
-              <a:rPr lang="tr-TR" sz="2600" b="1" dirty="0" err="1">
-                <a:solidFill>
-                  <a:srgbClr val="0070C0"/>
-                </a:solidFill>
-                <a:latin typeface="Roboto"/>
-              </a:rPr>
-              <a:t>OneHotEncoder</a:t>
-            </a:r>
-            <a:r>
-              <a:rPr lang="tr-TR" sz="2600" b="1" dirty="0">
-                <a:solidFill>
-                  <a:srgbClr val="0070C0"/>
-                </a:solidFill>
-                <a:latin typeface="Roboto"/>
-              </a:rPr>
-              <a:t> ilgileniyor. </a:t>
-            </a:r>
-            <a:endParaRPr lang="tr-TR" sz="2600" b="1" dirty="0">
-              <a:solidFill>
-                <a:srgbClr val="0070C0"/>
-              </a:solidFill>
-            </a:endParaRPr>
           </a:p>
         </p:txBody>
       </p:sp>
@@ -16214,59 +16180,6 @@
                       </p:childTnLst>
                     </p:cTn>
                   </p:par>
-                  <p:par>
-                    <p:cTn id="18" fill="hold">
-                      <p:stCondLst>
-                        <p:cond delay="indefinite"/>
-                      </p:stCondLst>
-                      <p:childTnLst>
-                        <p:par>
-                          <p:cTn id="19" fill="hold">
-                            <p:stCondLst>
-                              <p:cond delay="0"/>
-                            </p:stCondLst>
-                            <p:childTnLst>
-                              <p:par>
-                                <p:cTn id="20" presetID="10" presetClass="entr" presetSubtype="0" fill="hold" grpId="0" nodeType="clickEffect">
-                                  <p:stCondLst>
-                                    <p:cond delay="0"/>
-                                  </p:stCondLst>
-                                  <p:childTnLst>
-                                    <p:set>
-                                      <p:cBhvr>
-                                        <p:cTn id="21" dur="1" fill="hold">
-                                          <p:stCondLst>
-                                            <p:cond delay="0"/>
-                                          </p:stCondLst>
-                                        </p:cTn>
-                                        <p:tgtEl>
-                                          <p:spTgt spid="18"/>
-                                        </p:tgtEl>
-                                        <p:attrNameLst>
-                                          <p:attrName>style.visibility</p:attrName>
-                                        </p:attrNameLst>
-                                      </p:cBhvr>
-                                      <p:to>
-                                        <p:strVal val="visible"/>
-                                      </p:to>
-                                    </p:set>
-                                    <p:animEffect transition="in" filter="fade">
-                                      <p:cBhvr>
-                                        <p:cTn id="22" dur="500"/>
-                                        <p:tgtEl>
-                                          <p:spTgt spid="18"/>
-                                        </p:tgtEl>
-                                      </p:cBhvr>
-                                    </p:animEffect>
-                                  </p:childTnLst>
-                                </p:cTn>
-                              </p:par>
-                            </p:childTnLst>
-                          </p:cTn>
-                        </p:par>
-                      </p:childTnLst>
-                    </p:cTn>
-                  </p:par>
                 </p:childTnLst>
               </p:cTn>
               <p:prevCondLst>
@@ -16290,7 +16203,6 @@
     </p:tnLst>
     <p:bldLst>
       <p:bldP spid="17" grpId="0" animBg="1"/>
-      <p:bldP spid="18" grpId="0"/>
     </p:bldLst>
   </p:timing>
 </p:sld>
